--- a/week-3/week-3.pptx
+++ b/week-3/week-3.pptx
@@ -2064,8 +2064,16 @@
               <a:buNone/>
             </a:pPr>
             <a:r>
-              <a:rPr lang="en"/>
-              <a:t>http://www.theatlantic.com/health/archive/2014/06/should-women-get-married-to-avoid-violence/372954/</a:t>
+              <a:rPr lang="en" dirty="0"/>
+              <a:t>http://</a:t>
+            </a:r>
+            <a:r>
+              <a:rPr lang="en" dirty="0" err="1"/>
+              <a:t>www.theatlantic.com</a:t>
+            </a:r>
+            <a:r>
+              <a:rPr lang="en" dirty="0"/>
+              <a:t>/health/archive/2014/06/should-women-get-married-to-avoid-violence/372954/</a:t>
             </a:r>
           </a:p>
         </p:txBody>
@@ -6082,6 +6090,13 @@
   <p:clrMapOvr>
     <a:masterClrMapping/>
   </p:clrMapOvr>
+  <p:timing>
+    <p:tnLst>
+      <p:par>
+        <p:cTn id="1" dur="indefinite" restart="never" nodeType="tmRoot"/>
+      </p:par>
+    </p:tnLst>
+  </p:timing>
 </p:sld>
 </file>
 
@@ -6739,6 +6754,13 @@
   <p:clrMapOvr>
     <a:masterClrMapping/>
   </p:clrMapOvr>
+  <p:timing>
+    <p:tnLst>
+      <p:par>
+        <p:cTn id="1" dur="indefinite" restart="never" nodeType="tmRoot"/>
+      </p:par>
+    </p:tnLst>
+  </p:timing>
 </p:sld>
 </file>
 
@@ -6797,6 +6819,13 @@
   <p:clrMapOvr>
     <a:masterClrMapping/>
   </p:clrMapOvr>
+  <p:timing>
+    <p:tnLst>
+      <p:par>
+        <p:cTn id="1" dur="indefinite" restart="never" nodeType="tmRoot"/>
+      </p:par>
+    </p:tnLst>
+  </p:timing>
 </p:sld>
 </file>
 
@@ -6855,6 +6884,13 @@
   <p:clrMapOvr>
     <a:masterClrMapping/>
   </p:clrMapOvr>
+  <p:timing>
+    <p:tnLst>
+      <p:par>
+        <p:cTn id="1" dur="indefinite" restart="never" nodeType="tmRoot"/>
+      </p:par>
+    </p:tnLst>
+  </p:timing>
 </p:sld>
 </file>
 
@@ -6913,6 +6949,13 @@
   <p:clrMapOvr>
     <a:masterClrMapping/>
   </p:clrMapOvr>
+  <p:timing>
+    <p:tnLst>
+      <p:par>
+        <p:cTn id="1" dur="indefinite" restart="never" nodeType="tmRoot"/>
+      </p:par>
+    </p:tnLst>
+  </p:timing>
 </p:sld>
 </file>
 
@@ -6971,6 +7014,13 @@
   <p:clrMapOvr>
     <a:masterClrMapping/>
   </p:clrMapOvr>
+  <p:timing>
+    <p:tnLst>
+      <p:par>
+        <p:cTn id="1" dur="indefinite" restart="never" nodeType="tmRoot"/>
+      </p:par>
+    </p:tnLst>
+  </p:timing>
 </p:sld>
 </file>
 
@@ -7029,6 +7079,13 @@
   <p:clrMapOvr>
     <a:masterClrMapping/>
   </p:clrMapOvr>
+  <p:timing>
+    <p:tnLst>
+      <p:par>
+        <p:cTn id="1" dur="indefinite" restart="never" nodeType="tmRoot"/>
+      </p:par>
+    </p:tnLst>
+  </p:timing>
 </p:sld>
 </file>
 
@@ -7087,6 +7144,13 @@
   <p:clrMapOvr>
     <a:masterClrMapping/>
   </p:clrMapOvr>
+  <p:timing>
+    <p:tnLst>
+      <p:par>
+        <p:cTn id="1" dur="indefinite" restart="never" nodeType="tmRoot"/>
+      </p:par>
+    </p:tnLst>
+  </p:timing>
 </p:sld>
 </file>
 
@@ -7220,6 +7284,13 @@
   <p:clrMapOvr>
     <a:masterClrMapping/>
   </p:clrMapOvr>
+  <p:timing>
+    <p:tnLst>
+      <p:par>
+        <p:cTn id="1" dur="indefinite" restart="never" nodeType="tmRoot"/>
+      </p:par>
+    </p:tnLst>
+  </p:timing>
 </p:sld>
 </file>
 
@@ -7413,6 +7484,13 @@
   <p:transition spd="slow">
     <p:cut/>
   </p:transition>
+  <p:timing>
+    <p:tnLst>
+      <p:par>
+        <p:cTn id="1" dur="indefinite" restart="never" nodeType="tmRoot"/>
+      </p:par>
+    </p:tnLst>
+  </p:timing>
 </p:sld>
 </file>
 
@@ -9454,6 +9532,13 @@
   <p:transition spd="slow">
     <p:cut/>
   </p:transition>
+  <p:timing>
+    <p:tnLst>
+      <p:par>
+        <p:cTn id="1" dur="indefinite" restart="never" nodeType="tmRoot"/>
+      </p:par>
+    </p:tnLst>
+  </p:timing>
 </p:sld>
 </file>
 
@@ -9550,6 +9635,13 @@
   <p:transition spd="slow">
     <p:cut/>
   </p:transition>
+  <p:timing>
+    <p:tnLst>
+      <p:par>
+        <p:cTn id="1" dur="indefinite" restart="never" nodeType="tmRoot"/>
+      </p:par>
+    </p:tnLst>
+  </p:timing>
 </p:sld>
 </file>
 
@@ -9611,6 +9703,13 @@
   <p:transition spd="slow">
     <p:cut/>
   </p:transition>
+  <p:timing>
+    <p:tnLst>
+      <p:par>
+        <p:cTn id="1" dur="indefinite" restart="never" nodeType="tmRoot"/>
+      </p:par>
+    </p:tnLst>
+  </p:timing>
 </p:sld>
 </file>
 
@@ -9746,6 +9845,13 @@
   <p:transition spd="slow">
     <p:cut/>
   </p:transition>
+  <p:timing>
+    <p:tnLst>
+      <p:par>
+        <p:cTn id="1" dur="indefinite" restart="never" nodeType="tmRoot"/>
+      </p:par>
+    </p:tnLst>
+  </p:timing>
 </p:sld>
 </file>
 
@@ -9800,6 +9906,13 @@
   <p:clrMapOvr>
     <a:masterClrMapping/>
   </p:clrMapOvr>
+  <p:timing>
+    <p:tnLst>
+      <p:par>
+        <p:cTn id="1" dur="indefinite" restart="never" nodeType="tmRoot"/>
+      </p:par>
+    </p:tnLst>
+  </p:timing>
 </p:sld>
 </file>
 
@@ -10933,6 +11046,13 @@
   <p:clrMapOvr>
     <a:masterClrMapping/>
   </p:clrMapOvr>
+  <p:timing>
+    <p:tnLst>
+      <p:par>
+        <p:cTn id="1" dur="indefinite" restart="never" nodeType="tmRoot"/>
+      </p:par>
+    </p:tnLst>
+  </p:timing>
 </p:sld>
 </file>
 
@@ -11504,6 +11624,13 @@
   <p:clrMapOvr>
     <a:masterClrMapping/>
   </p:clrMapOvr>
+  <p:timing>
+    <p:tnLst>
+      <p:par>
+        <p:cTn id="1" dur="indefinite" restart="never" nodeType="tmRoot"/>
+      </p:par>
+    </p:tnLst>
+  </p:timing>
 </p:sld>
 </file>
 
